--- a/Syllabus/Lecture16/ProjectGradingRubric.pptx
+++ b/Syllabus/Lecture16/ProjectGradingRubric.pptx
@@ -7376,10 +7376,10 @@
               <a:buNone/>
             </a:pPr>
             <a:r>
-              <a:rPr lang="en"/>
+              <a:rPr lang="en" dirty="0"/>
               <a:t>Project Report (4 team, 3 individual) 7 points </a:t>
             </a:r>
-            <a:endParaRPr sz="3022"/>
+            <a:endParaRPr sz="3022" dirty="0"/>
           </a:p>
         </p:txBody>
       </p:sp>
@@ -7715,7 +7715,7 @@
               <a:buChar char="-"/>
             </a:pPr>
             <a:r>
-              <a:rPr lang="en-US" sz="1650" dirty="0">
+              <a:rPr lang="en-US" sz="1650" b="1" dirty="0">
                 <a:solidFill>
                   <a:schemeClr val="dk1"/>
                 </a:solidFill>
@@ -8158,7 +8158,7 @@
               <a:buNone/>
             </a:pPr>
             <a:r>
-              <a:rPr lang="en" sz="1602" dirty="0" err="1">
+              <a:rPr lang="en" sz="1602">
                 <a:solidFill>
                   <a:schemeClr val="dk1"/>
                 </a:solidFill>
@@ -8170,7 +8170,7 @@
                 <a:cs typeface="Roboto"/>
                 <a:sym typeface="Roboto"/>
               </a:rPr>
-              <a:t>Atleast</a:t>
+              <a:t>At least </a:t>
             </a:r>
             <a:r>
               <a:rPr lang="en" sz="1602" dirty="0">
@@ -8185,7 +8185,7 @@
                 <a:cs typeface="Roboto"/>
                 <a:sym typeface="Roboto"/>
               </a:rPr>
-              <a:t> 1 question will be posed by other teams (total 4-5 </a:t>
+              <a:t>1 question will be posed by other teams (total 4-5 </a:t>
             </a:r>
             <a:r>
               <a:rPr lang="en" sz="1602" dirty="0" err="1">
